--- a/backup presentation.pptx
+++ b/backup presentation.pptx
@@ -122,6 +122,11 @@
       </a:defRPr>
     </a:lvl9pPr>
   </p:defaultTextStyle>
+  <p:extLst>
+    <p:ext uri="{EFAFB233-063F-42B5-8137-9DF3F51BA10A}">
+      <p15:sldGuideLst xmlns:p15="http://schemas.microsoft.com/office/powerpoint/2012/main"/>
+    </p:ext>
+  </p:extLst>
 </p:presentation>
 </file>
 
@@ -3383,7 +3388,7 @@
 </file>
 
 <file path=ppt/slides/slide10.xml><?xml version="1.0" encoding="utf-8"?>
-<p:sld xmlns:a="http://schemas.openxmlformats.org/drawingml/2006/main" xmlns:r="http://schemas.openxmlformats.org/officeDocument/2006/relationships" xmlns:p="http://schemas.openxmlformats.org/presentationml/2006/main">
+<p:sld xmlns:a="http://schemas.openxmlformats.org/drawingml/2006/main" xmlns:r="http://schemas.openxmlformats.org/officeDocument/2006/relationships" xmlns:p="http://schemas.openxmlformats.org/presentationml/2006/main" show="0">
   <p:cSld>
     <p:spTree>
       <p:nvGrpSpPr>
@@ -3443,7 +3448,7 @@
 </file>
 
 <file path=ppt/slides/slide11.xml><?xml version="1.0" encoding="utf-8"?>
-<p:sld xmlns:a="http://schemas.openxmlformats.org/drawingml/2006/main" xmlns:r="http://schemas.openxmlformats.org/officeDocument/2006/relationships" xmlns:p="http://schemas.openxmlformats.org/presentationml/2006/main">
+<p:sld xmlns:a="http://schemas.openxmlformats.org/drawingml/2006/main" xmlns:r="http://schemas.openxmlformats.org/officeDocument/2006/relationships" xmlns:p="http://schemas.openxmlformats.org/presentationml/2006/main" show="0">
   <p:cSld>
     <p:spTree>
       <p:nvGrpSpPr>
@@ -3503,7 +3508,7 @@
 </file>
 
 <file path=ppt/slides/slide12.xml><?xml version="1.0" encoding="utf-8"?>
-<p:sld xmlns:a="http://schemas.openxmlformats.org/drawingml/2006/main" xmlns:r="http://schemas.openxmlformats.org/officeDocument/2006/relationships" xmlns:p="http://schemas.openxmlformats.org/presentationml/2006/main">
+<p:sld xmlns:a="http://schemas.openxmlformats.org/drawingml/2006/main" xmlns:r="http://schemas.openxmlformats.org/officeDocument/2006/relationships" xmlns:p="http://schemas.openxmlformats.org/presentationml/2006/main" show="0">
   <p:cSld>
     <p:spTree>
       <p:nvGrpSpPr>
@@ -3563,7 +3568,7 @@
 </file>
 
 <file path=ppt/slides/slide13.xml><?xml version="1.0" encoding="utf-8"?>
-<p:sld xmlns:a="http://schemas.openxmlformats.org/drawingml/2006/main" xmlns:r="http://schemas.openxmlformats.org/officeDocument/2006/relationships" xmlns:p="http://schemas.openxmlformats.org/presentationml/2006/main">
+<p:sld xmlns:a="http://schemas.openxmlformats.org/drawingml/2006/main" xmlns:r="http://schemas.openxmlformats.org/officeDocument/2006/relationships" xmlns:p="http://schemas.openxmlformats.org/presentationml/2006/main" show="0">
   <p:cSld>
     <p:spTree>
       <p:nvGrpSpPr>
@@ -3623,7 +3628,7 @@
 </file>
 
 <file path=ppt/slides/slide14.xml><?xml version="1.0" encoding="utf-8"?>
-<p:sld xmlns:a="http://schemas.openxmlformats.org/drawingml/2006/main" xmlns:r="http://schemas.openxmlformats.org/officeDocument/2006/relationships" xmlns:p="http://schemas.openxmlformats.org/presentationml/2006/main">
+<p:sld xmlns:a="http://schemas.openxmlformats.org/drawingml/2006/main" xmlns:r="http://schemas.openxmlformats.org/officeDocument/2006/relationships" xmlns:p="http://schemas.openxmlformats.org/presentationml/2006/main" show="0">
   <p:cSld>
     <p:spTree>
       <p:nvGrpSpPr>
@@ -3683,7 +3688,7 @@
 </file>
 
 <file path=ppt/slides/slide15.xml><?xml version="1.0" encoding="utf-8"?>
-<p:sld xmlns:a="http://schemas.openxmlformats.org/drawingml/2006/main" xmlns:r="http://schemas.openxmlformats.org/officeDocument/2006/relationships" xmlns:p="http://schemas.openxmlformats.org/presentationml/2006/main">
+<p:sld xmlns:a="http://schemas.openxmlformats.org/drawingml/2006/main" xmlns:r="http://schemas.openxmlformats.org/officeDocument/2006/relationships" xmlns:p="http://schemas.openxmlformats.org/presentationml/2006/main" show="0">
   <p:cSld>
     <p:spTree>
       <p:nvGrpSpPr>
@@ -4103,7 +4108,7 @@
 </file>
 
 <file path=ppt/slides/slide4.xml><?xml version="1.0" encoding="utf-8"?>
-<p:sld xmlns:a="http://schemas.openxmlformats.org/drawingml/2006/main" xmlns:r="http://schemas.openxmlformats.org/officeDocument/2006/relationships" xmlns:p="http://schemas.openxmlformats.org/presentationml/2006/main">
+<p:sld xmlns:a="http://schemas.openxmlformats.org/drawingml/2006/main" xmlns:r="http://schemas.openxmlformats.org/officeDocument/2006/relationships" xmlns:p="http://schemas.openxmlformats.org/presentationml/2006/main" show="0">
   <p:cSld>
     <p:spTree>
       <p:nvGrpSpPr>
